--- a/docs/JAZ_zjazd_4.pptx
+++ b/docs/JAZ_zjazd_4.pptx
@@ -226,7 +226,7 @@
             <a:pPr rtl="0"/>
             <a:fld id="{11F6B162-B019-4558-B36F-3F7010E42FDF}" type="datetime1">
               <a:rPr lang="pl-PL" smtClean="0"/>
-              <a:t>2021-05-06</a:t>
+              <a:t>2021-05-15</a:t>
             </a:fld>
             <a:endParaRPr lang="pl-PL" dirty="0"/>
           </a:p>
@@ -395,7 +395,7 @@
             <a:fld id="{F8FD5293-0EA9-4B42-A238-C80836CA7D9E}" type="datetime1">
               <a:rPr lang="pl-PL" smtClean="0"/>
               <a:pPr/>
-              <a:t>2021-05-06</a:t>
+              <a:t>2021-05-15</a:t>
             </a:fld>
             <a:endParaRPr lang="pl-PL" dirty="0"/>
           </a:p>
@@ -3755,7 +3755,7 @@
             <a:fld id="{70E306AB-97F8-4E2E-BF87-8C3481B5FBD8}" type="datetime1">
               <a:rPr lang="pl-PL" smtClean="0"/>
               <a:pPr/>
-              <a:t>2021-05-06</a:t>
+              <a:t>2021-05-15</a:t>
             </a:fld>
             <a:endParaRPr lang="pl-PL" dirty="0"/>
           </a:p>
@@ -3961,7 +3961,7 @@
             <a:fld id="{54F57989-D074-470C-8B53-0A83600092FA}" type="datetime1">
               <a:rPr lang="pl-PL" smtClean="0"/>
               <a:pPr/>
-              <a:t>2021-05-06</a:t>
+              <a:t>2021-05-15</a:t>
             </a:fld>
             <a:endParaRPr lang="pl-PL" dirty="0"/>
           </a:p>
@@ -4157,7 +4157,7 @@
             <a:fld id="{513EF585-5FBB-4299-9362-D527BD2675CD}" type="datetime1">
               <a:rPr lang="pl-PL" smtClean="0"/>
               <a:pPr/>
-              <a:t>2021-05-06</a:t>
+              <a:t>2021-05-15</a:t>
             </a:fld>
             <a:endParaRPr lang="pl-PL" dirty="0"/>
           </a:p>
@@ -6507,7 +6507,7 @@
             <a:fld id="{9D0E908B-D51D-4142-A5CB-EE5D4309B568}" type="datetime1">
               <a:rPr lang="pl-PL" smtClean="0"/>
               <a:pPr/>
-              <a:t>2021-05-06</a:t>
+              <a:t>2021-05-15</a:t>
             </a:fld>
             <a:endParaRPr lang="pl-PL" dirty="0"/>
           </a:p>
@@ -6969,7 +6969,7 @@
             <a:fld id="{4CB382C9-380C-424E-AF82-A6E8CC1E028B}" type="datetime1">
               <a:rPr lang="pl-PL" smtClean="0"/>
               <a:pPr/>
-              <a:t>2021-05-06</a:t>
+              <a:t>2021-05-15</a:t>
             </a:fld>
             <a:endParaRPr lang="pl-PL" dirty="0"/>
           </a:p>
@@ -7109,7 +7109,7 @@
             <a:fld id="{9B9CB9CC-4696-4285-BA6C-9DFABDF44C2A}" type="datetime1">
               <a:rPr lang="pl-PL" smtClean="0"/>
               <a:pPr/>
-              <a:t>2021-05-06</a:t>
+              <a:t>2021-05-15</a:t>
             </a:fld>
             <a:endParaRPr lang="pl-PL" dirty="0"/>
           </a:p>
@@ -9049,7 +9049,7 @@
             <a:fld id="{DF0DF4F9-CFFF-4A1E-866B-3C5280452CB1}" type="datetime1">
               <a:rPr lang="pl-PL" smtClean="0"/>
               <a:pPr/>
-              <a:t>2021-05-06</a:t>
+              <a:t>2021-05-15</a:t>
             </a:fld>
             <a:endParaRPr lang="pl-PL" dirty="0"/>
           </a:p>
@@ -11310,7 +11310,7 @@
             <a:fld id="{BCE2E449-FA09-4791-AF38-A83448FE51DA}" type="datetime1">
               <a:rPr lang="pl-PL" smtClean="0"/>
               <a:pPr/>
-              <a:t>2021-05-06</a:t>
+              <a:t>2021-05-15</a:t>
             </a:fld>
             <a:endParaRPr lang="pl-PL" dirty="0"/>
           </a:p>
@@ -15608,7 +15608,7 @@
             <a:fld id="{7465ED12-3D75-43E0-9D6D-9FB5D68B824D}" type="datetime1">
               <a:rPr lang="pl-PL" smtClean="0"/>
               <a:pPr/>
-              <a:t>2021-05-06</a:t>
+              <a:t>2021-05-15</a:t>
             </a:fld>
             <a:endParaRPr lang="pl-PL" dirty="0"/>
           </a:p>
@@ -16697,13 +16697,13 @@
   <p:clrMapOvr>
     <a:masterClrMapping/>
   </p:clrMapOvr>
-  <mc:AlternateContent xmlns:mc="http://schemas.openxmlformats.org/markup-compatibility/2006">
-    <mc:Choice xmlns:p14="http://schemas.microsoft.com/office/powerpoint/2010/main" Requires="p14">
+  <mc:AlternateContent xmlns:mc="http://schemas.openxmlformats.org/markup-compatibility/2006" xmlns:p14="http://schemas.microsoft.com/office/powerpoint/2010/main">
+    <mc:Choice Requires="p14">
       <p:transition spd="med" p14:dur="700">
         <p:fade/>
       </p:transition>
     </mc:Choice>
-    <mc:Fallback>
+    <mc:Fallback xmlns="">
       <p:transition spd="med">
         <p:fade/>
       </p:transition>
@@ -16817,13 +16817,13 @@
   <p:clrMapOvr>
     <a:masterClrMapping/>
   </p:clrMapOvr>
-  <mc:AlternateContent xmlns:mc="http://schemas.openxmlformats.org/markup-compatibility/2006">
-    <mc:Choice xmlns:p14="http://schemas.microsoft.com/office/powerpoint/2010/main" Requires="p14">
+  <mc:AlternateContent xmlns:mc="http://schemas.openxmlformats.org/markup-compatibility/2006" xmlns:p14="http://schemas.microsoft.com/office/powerpoint/2010/main">
+    <mc:Choice Requires="p14">
       <p:transition spd="med" p14:dur="700">
         <p:fade/>
       </p:transition>
     </mc:Choice>
-    <mc:Fallback>
+    <mc:Fallback xmlns="">
       <p:transition spd="med">
         <p:fade/>
       </p:transition>
@@ -16973,13 +16973,13 @@
   <p:clrMapOvr>
     <a:masterClrMapping/>
   </p:clrMapOvr>
-  <mc:AlternateContent xmlns:mc="http://schemas.openxmlformats.org/markup-compatibility/2006">
-    <mc:Choice xmlns:p14="http://schemas.microsoft.com/office/powerpoint/2010/main" Requires="p14">
+  <mc:AlternateContent xmlns:mc="http://schemas.openxmlformats.org/markup-compatibility/2006" xmlns:p14="http://schemas.microsoft.com/office/powerpoint/2010/main">
+    <mc:Choice Requires="p14">
       <p:transition spd="med" p14:dur="700">
         <p:fade/>
       </p:transition>
     </mc:Choice>
-    <mc:Fallback>
+    <mc:Fallback xmlns="">
       <p:transition spd="med">
         <p:fade/>
       </p:transition>
@@ -17140,13 +17140,13 @@
   <p:clrMapOvr>
     <a:masterClrMapping/>
   </p:clrMapOvr>
-  <mc:AlternateContent xmlns:mc="http://schemas.openxmlformats.org/markup-compatibility/2006">
-    <mc:Choice xmlns:p14="http://schemas.microsoft.com/office/powerpoint/2010/main" Requires="p14">
+  <mc:AlternateContent xmlns:mc="http://schemas.openxmlformats.org/markup-compatibility/2006" xmlns:p14="http://schemas.microsoft.com/office/powerpoint/2010/main">
+    <mc:Choice Requires="p14">
       <p:transition spd="med" p14:dur="700">
         <p:fade/>
       </p:transition>
     </mc:Choice>
-    <mc:Fallback>
+    <mc:Fallback xmlns="">
       <p:transition spd="med">
         <p:fade/>
       </p:transition>
@@ -17328,13 +17328,13 @@
   <p:clrMapOvr>
     <a:masterClrMapping/>
   </p:clrMapOvr>
-  <mc:AlternateContent xmlns:mc="http://schemas.openxmlformats.org/markup-compatibility/2006">
-    <mc:Choice xmlns:p14="http://schemas.microsoft.com/office/powerpoint/2010/main" Requires="p14">
+  <mc:AlternateContent xmlns:mc="http://schemas.openxmlformats.org/markup-compatibility/2006" xmlns:p14="http://schemas.microsoft.com/office/powerpoint/2010/main">
+    <mc:Choice Requires="p14">
       <p:transition spd="med" p14:dur="700">
         <p:fade/>
       </p:transition>
     </mc:Choice>
-    <mc:Fallback>
+    <mc:Fallback xmlns="">
       <p:transition spd="med">
         <p:fade/>
       </p:transition>
@@ -17513,13 +17513,13 @@
   <p:clrMapOvr>
     <a:masterClrMapping/>
   </p:clrMapOvr>
-  <mc:AlternateContent xmlns:mc="http://schemas.openxmlformats.org/markup-compatibility/2006">
-    <mc:Choice xmlns:p14="http://schemas.microsoft.com/office/powerpoint/2010/main" Requires="p14">
+  <mc:AlternateContent xmlns:mc="http://schemas.openxmlformats.org/markup-compatibility/2006" xmlns:p14="http://schemas.microsoft.com/office/powerpoint/2010/main">
+    <mc:Choice Requires="p14">
       <p:transition spd="med" p14:dur="700">
         <p:fade/>
       </p:transition>
     </mc:Choice>
-    <mc:Fallback>
+    <mc:Fallback xmlns="">
       <p:transition spd="med">
         <p:fade/>
       </p:transition>
@@ -17702,13 +17702,13 @@
   <p:clrMapOvr>
     <a:masterClrMapping/>
   </p:clrMapOvr>
-  <mc:AlternateContent xmlns:mc="http://schemas.openxmlformats.org/markup-compatibility/2006">
-    <mc:Choice xmlns:p14="http://schemas.microsoft.com/office/powerpoint/2010/main" Requires="p14">
+  <mc:AlternateContent xmlns:mc="http://schemas.openxmlformats.org/markup-compatibility/2006" xmlns:p14="http://schemas.microsoft.com/office/powerpoint/2010/main">
+    <mc:Choice Requires="p14">
       <p:transition spd="med" p14:dur="700">
         <p:fade/>
       </p:transition>
     </mc:Choice>
-    <mc:Fallback>
+    <mc:Fallback xmlns="">
       <p:transition spd="med">
         <p:fade/>
       </p:transition>
